--- a/ManyaJainTCS-iON_ppt.pptx
+++ b/ManyaJainTCS-iON_ppt.pptx
@@ -18617,7 +18617,7 @@
         </p:nvSpPr>
         <p:spPr>
           <a:xfrm>
-            <a:off x="2869594" y="625150"/>
+            <a:off x="2869594" y="692943"/>
             <a:ext cx="6452811" cy="1283433"/>
           </a:xfrm>
         </p:spPr>
@@ -18688,8 +18688,8 @@
         </p:nvSpPr>
         <p:spPr bwMode="auto">
           <a:xfrm>
-            <a:off x="908476" y="1965877"/>
-            <a:ext cx="9983755" cy="3754874"/>
+            <a:off x="763954" y="2253374"/>
+            <a:ext cx="10959059" cy="4031873"/>
           </a:xfrm>
           <a:prstGeom prst="rect">
             <a:avLst/>
@@ -18750,34 +18750,6 @@
               <a:buClrTx/>
               <a:buSzTx/>
               <a:buFontTx/>
-              <a:buNone/>
-              <a:tabLst/>
-            </a:pPr>
-            <a:endParaRPr kumimoji="0" lang="en-US" altLang="en-US" sz="1800" b="0" i="0" u="none" strike="noStrike" cap="none" normalizeH="0" baseline="0" dirty="0">
-              <a:ln>
-                <a:noFill/>
-              </a:ln>
-              <a:solidFill>
-                <a:schemeClr val="tx1"/>
-              </a:solidFill>
-              <a:effectLst/>
-              <a:latin typeface="Arial" panose="020B0604020202020204" pitchFamily="34" charset="0"/>
-            </a:endParaRPr>
-          </a:p>
-          <a:p>
-            <a:pPr marL="0" marR="0" lvl="0" indent="0" algn="l" defTabSz="914400" rtl="0" eaLnBrk="0" fontAlgn="base" latinLnBrk="0" hangingPunct="0">
-              <a:lnSpc>
-                <a:spcPct val="100000"/>
-              </a:lnSpc>
-              <a:spcBef>
-                <a:spcPct val="0"/>
-              </a:spcBef>
-              <a:spcAft>
-                <a:spcPct val="0"/>
-              </a:spcAft>
-              <a:buClrTx/>
-              <a:buSzTx/>
-              <a:buFontTx/>
               <a:buChar char="•"/>
               <a:tabLst/>
             </a:pPr>
@@ -18931,33 +18903,7 @@
               </a:spcAft>
               <a:buClrTx/>
               <a:buSzTx/>
-              <a:buFontTx/>
-              <a:buChar char="•"/>
-              <a:tabLst/>
-            </a:pPr>
-            <a:endParaRPr lang="en-US" altLang="en-US" dirty="0">
-              <a:solidFill>
-                <a:srgbClr val="202C8F"/>
-              </a:solidFill>
-              <a:latin typeface="Calibri" panose="020F0502020204030204" pitchFamily="34" charset="0"/>
-              <a:cs typeface="Calibri" panose="020F0502020204030204" pitchFamily="34" charset="0"/>
-            </a:endParaRPr>
-          </a:p>
-          <a:p>
-            <a:pPr marL="0" marR="0" lvl="0" indent="0" algn="l" defTabSz="914400" rtl="0" eaLnBrk="0" fontAlgn="base" latinLnBrk="0" hangingPunct="0">
-              <a:lnSpc>
-                <a:spcPct val="100000"/>
-              </a:lnSpc>
-              <a:spcBef>
-                <a:spcPct val="0"/>
-              </a:spcBef>
-              <a:spcAft>
-                <a:spcPct val="0"/>
-              </a:spcAft>
-              <a:buClrTx/>
-              <a:buSzTx/>
-              <a:buFontTx/>
-              <a:buChar char="•"/>
+              <a:buNone/>
               <a:tabLst/>
             </a:pPr>
             <a:endParaRPr lang="en-US" altLang="en-US" dirty="0">
@@ -19062,6 +19008,17 @@
               </a:rPr>
               <a:t> Project repository: </a:t>
             </a:r>
+          </a:p>
+          <a:p>
+            <a:pPr marL="338328" lvl="1" indent="0" eaLnBrk="0" fontAlgn="base" hangingPunct="0">
+              <a:spcBef>
+                <a:spcPct val="0"/>
+              </a:spcBef>
+              <a:spcAft>
+                <a:spcPct val="0"/>
+              </a:spcAft>
+              <a:buNone/>
+            </a:pPr>
             <a:r>
               <a:rPr lang="en-US" altLang="en-US" dirty="0">
                 <a:solidFill>
@@ -19118,8 +19075,19 @@
               </a:rPr>
               <a:t> Report: </a:t>
             </a:r>
+          </a:p>
+          <a:p>
+            <a:pPr marL="338328" lvl="1" indent="0" eaLnBrk="0" fontAlgn="base" hangingPunct="0">
+              <a:spcBef>
+                <a:spcPct val="0"/>
+              </a:spcBef>
+              <a:spcAft>
+                <a:spcPct val="0"/>
+              </a:spcAft>
+              <a:buNone/>
+            </a:pPr>
             <a:r>
-              <a:rPr lang="en-US" sz="1800" dirty="0">
+              <a:rPr lang="en-US" dirty="0">
                 <a:solidFill>
                   <a:srgbClr val="202C8F"/>
                 </a:solidFill>
@@ -19131,19 +19099,22 @@
                 <a:ea typeface="Droid Sans Fallback"/>
                 <a:hlinkClick r:id="rId4"/>
               </a:rPr>
-              <a:t>https://github.com/Manya14Jain/TCS-ion-HRSalaryPrediction/ManyaJainTCS-iON_Report</a:t>
+              <a:t>https://github.com/Manya14Jain/TCS-ion-HRSalaryPrediction/blob/main/ManyaJainTCS-</a:t>
             </a:r>
-            <a:endParaRPr lang="en-US" sz="1800" dirty="0">
-              <a:solidFill>
-                <a:srgbClr val="202C8F"/>
-              </a:solidFill>
-              <a:effectLst/>
-              <a:highlight>
-                <a:srgbClr val="FFFF00"/>
-              </a:highlight>
-              <a:latin typeface="Calibri" panose="020F0502020204030204" pitchFamily="34" charset="0"/>
-              <a:ea typeface="Droid Sans Fallback"/>
-            </a:endParaRPr>
+            <a:r>
+              <a:rPr lang="en-US" dirty="0">
+                <a:solidFill>
+                  <a:srgbClr val="202C8F"/>
+                </a:solidFill>
+                <a:effectLst/>
+                <a:highlight>
+                  <a:srgbClr val="FFFF00"/>
+                </a:highlight>
+                <a:latin typeface="Calibri" panose="020F0502020204030204" pitchFamily="34" charset="0"/>
+                <a:ea typeface="Droid Sans Fallback"/>
+              </a:rPr>
+              <a:t>iON_Report.docx</a:t>
+            </a:r>
           </a:p>
           <a:p>
             <a:pPr marL="0" marR="0" lvl="0" indent="0" algn="l" defTabSz="914400" rtl="0" eaLnBrk="0" fontAlgn="base" latinLnBrk="0" hangingPunct="0">
@@ -19173,21 +19144,44 @@
                 <a:latin typeface="Calibri" panose="020F0502020204030204" pitchFamily="34" charset="0"/>
                 <a:cs typeface="Calibri" panose="020F0502020204030204" pitchFamily="34" charset="0"/>
               </a:rPr>
-              <a:t> Presentation: </a:t>
+              <a:t> Presentation:</a:t>
             </a:r>
             <a:r>
-              <a:rPr lang="en-US" sz="1800" dirty="0">
+              <a:rPr lang="en-US" altLang="en-US" dirty="0">
                 <a:solidFill>
                   <a:srgbClr val="202C8F"/>
                 </a:solidFill>
-                <a:effectLst/>
+                <a:latin typeface="Calibri" panose="020F0502020204030204" pitchFamily="34" charset="0"/>
+                <a:cs typeface="Calibri" panose="020F0502020204030204" pitchFamily="34" charset="0"/>
+              </a:rPr>
+              <a:t> </a:t>
+            </a:r>
+          </a:p>
+          <a:p>
+            <a:pPr marL="338328" lvl="1" indent="0" eaLnBrk="0" fontAlgn="base" hangingPunct="0">
+              <a:spcBef>
+                <a:spcPct val="0"/>
+              </a:spcBef>
+              <a:spcAft>
+                <a:spcPct val="0"/>
+              </a:spcAft>
+              <a:buNone/>
+            </a:pPr>
+            <a:r>
+              <a:rPr kumimoji="0" lang="en-US" altLang="en-US" b="0" i="0" u="none" strike="noStrike" cap="none" normalizeH="0" baseline="0" dirty="0">
+                <a:ln>
+                  <a:noFill/>
+                </a:ln>
+                <a:solidFill>
+                  <a:srgbClr val="202C8F"/>
+                </a:solidFill>
                 <a:highlight>
                   <a:srgbClr val="FFFF00"/>
                 </a:highlight>
                 <a:latin typeface="Calibri" panose="020F0502020204030204" pitchFamily="34" charset="0"/>
-                <a:ea typeface="Droid Sans Fallback"/>
+                <a:cs typeface="Calibri" panose="020F0502020204030204" pitchFamily="34" charset="0"/>
               </a:rPr>
-              <a:t>https://github.com/Manya14Jain/TCS-ion-HRSalaryPrediction/ManyaJainTCS-iON_ppt</a:t>
+              <a:t>https://github.com/Manya14Jain/TCS-ion-HRSalaryPrediction/blob/main/ManyaJainTCS-iON_ppt.pptx</a:t>
             </a:r>
             <a:endParaRPr kumimoji="0" lang="en-US" altLang="en-US" b="0" i="0" u="none" strike="noStrike" cap="none" normalizeH="0" baseline="0" dirty="0">
               <a:ln>
@@ -23067,6 +23061,15 @@
 </file>
 
 <file path=customXml/item1.xml><?xml version="1.0" encoding="utf-8"?>
+<?mso-contentType ?>
+<FormTemplates xmlns="http://schemas.microsoft.com/sharepoint/v3/contenttype/forms">
+  <Display>DocumentLibraryForm</Display>
+  <Edit>DocumentLibraryForm</Edit>
+  <New>DocumentLibraryForm</New>
+</FormTemplates>
+</file>
+
+<file path=customXml/item2.xml><?xml version="1.0" encoding="utf-8"?>
 <p:properties xmlns:p="http://schemas.microsoft.com/office/2006/metadata/properties" xmlns:xsi="http://www.w3.org/2001/XMLSchema-instance" xmlns:pc="http://schemas.microsoft.com/office/infopath/2007/PartnerControls">
   <documentManagement>
     <_ip_UnifiedCompliancePolicyUIAction xmlns="http://schemas.microsoft.com/sharepoint/v3" xsi:nil="true"/>
@@ -23084,15 +23087,6 @@
     <MediaServiceKeyPoints xmlns="71af3243-3dd4-4a8d-8c0d-dd76da1f02a5" xsi:nil="true"/>
   </documentManagement>
 </p:properties>
-</file>
-
-<file path=customXml/item2.xml><?xml version="1.0" encoding="utf-8"?>
-<?mso-contentType ?>
-<FormTemplates xmlns="http://schemas.microsoft.com/sharepoint/v3/contenttype/forms">
-  <Display>DocumentLibraryForm</Display>
-  <Edit>DocumentLibraryForm</Edit>
-  <New>DocumentLibraryForm</New>
-</FormTemplates>
 </file>
 
 <file path=customXml/item3.xml><?xml version="1.0" encoding="utf-8"?>
@@ -23408,6 +23402,14 @@
 </file>
 
 <file path=customXml/itemProps1.xml><?xml version="1.0" encoding="utf-8"?>
+<ds:datastoreItem xmlns:ds="http://schemas.openxmlformats.org/officeDocument/2006/customXml" ds:itemID="{16DBB56F-4362-4386-A1A1-3DF898896616}">
+  <ds:schemaRefs>
+    <ds:schemaRef ds:uri="http://schemas.microsoft.com/sharepoint/v3/contenttype/forms"/>
+  </ds:schemaRefs>
+</ds:datastoreItem>
+</file>
+
+<file path=customXml/itemProps2.xml><?xml version="1.0" encoding="utf-8"?>
 <ds:datastoreItem xmlns:ds="http://schemas.openxmlformats.org/officeDocument/2006/customXml" ds:itemID="{BA719FA4-954C-4FA8-82CB-206659C3B826}">
   <ds:schemaRefs>
     <ds:schemaRef ds:uri="http://schemas.microsoft.com/office/2006/metadata/properties"/>
@@ -23415,14 +23417,6 @@
     <ds:schemaRef ds:uri="http://schemas.microsoft.com/sharepoint/v3"/>
     <ds:schemaRef ds:uri="71af3243-3dd4-4a8d-8c0d-dd76da1f02a5"/>
     <ds:schemaRef ds:uri="230e9df3-be65-4c73-a93b-d1236ebd677e"/>
-  </ds:schemaRefs>
-</ds:datastoreItem>
-</file>
-
-<file path=customXml/itemProps2.xml><?xml version="1.0" encoding="utf-8"?>
-<ds:datastoreItem xmlns:ds="http://schemas.openxmlformats.org/officeDocument/2006/customXml" ds:itemID="{16DBB56F-4362-4386-A1A1-3DF898896616}">
-  <ds:schemaRefs>
-    <ds:schemaRef ds:uri="http://schemas.microsoft.com/sharepoint/v3/contenttype/forms"/>
   </ds:schemaRefs>
 </ds:datastoreItem>
 </file>
